--- a/第二学年/Report/Process/演示图.pptx
+++ b/第二学年/Report/Process/演示图.pptx
@@ -104,6 +104,11 @@
       </a:defRPr>
     </a:lvl9pPr>
   </p:defaultTextStyle>
+  <p:extLst>
+    <p:ext uri="{EFAFB233-063F-42B5-8137-9DF3F51BA10A}">
+      <p15:sldGuideLst xmlns:p15="http://schemas.microsoft.com/office/powerpoint/2012/main"/>
+    </p:ext>
+  </p:extLst>
 </p:presentation>
 </file>
 
@@ -254,7 +259,7 @@
           <a:p>
             <a:fld id="{3334285E-212D-441C-B55B-6EBB6BF92658}" type="datetimeFigureOut">
               <a:rPr lang="zh-CN" altLang="en-US" smtClean="0"/>
-              <a:t>2020/9/25</a:t>
+              <a:t>2020/10/27</a:t>
             </a:fld>
             <a:endParaRPr lang="zh-CN" altLang="en-US"/>
           </a:p>
@@ -452,7 +457,7 @@
           <a:p>
             <a:fld id="{3334285E-212D-441C-B55B-6EBB6BF92658}" type="datetimeFigureOut">
               <a:rPr lang="zh-CN" altLang="en-US" smtClean="0"/>
-              <a:t>2020/9/25</a:t>
+              <a:t>2020/10/27</a:t>
             </a:fld>
             <a:endParaRPr lang="zh-CN" altLang="en-US"/>
           </a:p>
@@ -660,7 +665,7 @@
           <a:p>
             <a:fld id="{3334285E-212D-441C-B55B-6EBB6BF92658}" type="datetimeFigureOut">
               <a:rPr lang="zh-CN" altLang="en-US" smtClean="0"/>
-              <a:t>2020/9/25</a:t>
+              <a:t>2020/10/27</a:t>
             </a:fld>
             <a:endParaRPr lang="zh-CN" altLang="en-US"/>
           </a:p>
@@ -858,7 +863,7 @@
           <a:p>
             <a:fld id="{3334285E-212D-441C-B55B-6EBB6BF92658}" type="datetimeFigureOut">
               <a:rPr lang="zh-CN" altLang="en-US" smtClean="0"/>
-              <a:t>2020/9/25</a:t>
+              <a:t>2020/10/27</a:t>
             </a:fld>
             <a:endParaRPr lang="zh-CN" altLang="en-US"/>
           </a:p>
@@ -1133,7 +1138,7 @@
           <a:p>
             <a:fld id="{3334285E-212D-441C-B55B-6EBB6BF92658}" type="datetimeFigureOut">
               <a:rPr lang="zh-CN" altLang="en-US" smtClean="0"/>
-              <a:t>2020/9/25</a:t>
+              <a:t>2020/10/27</a:t>
             </a:fld>
             <a:endParaRPr lang="zh-CN" altLang="en-US"/>
           </a:p>
@@ -1398,7 +1403,7 @@
           <a:p>
             <a:fld id="{3334285E-212D-441C-B55B-6EBB6BF92658}" type="datetimeFigureOut">
               <a:rPr lang="zh-CN" altLang="en-US" smtClean="0"/>
-              <a:t>2020/9/25</a:t>
+              <a:t>2020/10/27</a:t>
             </a:fld>
             <a:endParaRPr lang="zh-CN" altLang="en-US"/>
           </a:p>
@@ -1810,7 +1815,7 @@
           <a:p>
             <a:fld id="{3334285E-212D-441C-B55B-6EBB6BF92658}" type="datetimeFigureOut">
               <a:rPr lang="zh-CN" altLang="en-US" smtClean="0"/>
-              <a:t>2020/9/25</a:t>
+              <a:t>2020/10/27</a:t>
             </a:fld>
             <a:endParaRPr lang="zh-CN" altLang="en-US"/>
           </a:p>
@@ -1951,7 +1956,7 @@
           <a:p>
             <a:fld id="{3334285E-212D-441C-B55B-6EBB6BF92658}" type="datetimeFigureOut">
               <a:rPr lang="zh-CN" altLang="en-US" smtClean="0"/>
-              <a:t>2020/9/25</a:t>
+              <a:t>2020/10/27</a:t>
             </a:fld>
             <a:endParaRPr lang="zh-CN" altLang="en-US"/>
           </a:p>
@@ -2064,7 +2069,7 @@
           <a:p>
             <a:fld id="{3334285E-212D-441C-B55B-6EBB6BF92658}" type="datetimeFigureOut">
               <a:rPr lang="zh-CN" altLang="en-US" smtClean="0"/>
-              <a:t>2020/9/25</a:t>
+              <a:t>2020/10/27</a:t>
             </a:fld>
             <a:endParaRPr lang="zh-CN" altLang="en-US"/>
           </a:p>
@@ -2375,7 +2380,7 @@
           <a:p>
             <a:fld id="{3334285E-212D-441C-B55B-6EBB6BF92658}" type="datetimeFigureOut">
               <a:rPr lang="zh-CN" altLang="en-US" smtClean="0"/>
-              <a:t>2020/9/25</a:t>
+              <a:t>2020/10/27</a:t>
             </a:fld>
             <a:endParaRPr lang="zh-CN" altLang="en-US"/>
           </a:p>
@@ -2663,7 +2668,7 @@
           <a:p>
             <a:fld id="{3334285E-212D-441C-B55B-6EBB6BF92658}" type="datetimeFigureOut">
               <a:rPr lang="zh-CN" altLang="en-US" smtClean="0"/>
-              <a:t>2020/9/25</a:t>
+              <a:t>2020/10/27</a:t>
             </a:fld>
             <a:endParaRPr lang="zh-CN" altLang="en-US"/>
           </a:p>
@@ -2904,7 +2909,7 @@
           <a:p>
             <a:fld id="{3334285E-212D-441C-B55B-6EBB6BF92658}" type="datetimeFigureOut">
               <a:rPr lang="zh-CN" altLang="en-US" smtClean="0"/>
-              <a:t>2020/9/25</a:t>
+              <a:t>2020/10/27</a:t>
             </a:fld>
             <a:endParaRPr lang="zh-CN" altLang="en-US"/>
           </a:p>
@@ -3323,10 +3328,10 @@
       </p:grpSpPr>
       <p:grpSp>
         <p:nvGrpSpPr>
-          <p:cNvPr id="30" name="组合 29">
-            <a:extLst>
-              <a:ext uri="{FF2B5EF4-FFF2-40B4-BE49-F238E27FC236}">
-                <a16:creationId xmlns:a16="http://schemas.microsoft.com/office/drawing/2014/main" id="{3B70042F-483A-4476-AEA0-DCB3B7688637}"/>
+          <p:cNvPr id="2" name="组合 1">
+            <a:extLst>
+              <a:ext uri="{FF2B5EF4-FFF2-40B4-BE49-F238E27FC236}">
+                <a16:creationId xmlns:a16="http://schemas.microsoft.com/office/drawing/2014/main" id="{988E9C2F-50C2-4A1F-A750-59A9945013A7}"/>
               </a:ext>
             </a:extLst>
           </p:cNvPr>
@@ -3335,18 +3340,18 @@
         </p:nvGrpSpPr>
         <p:grpSpPr>
           <a:xfrm>
-            <a:off x="2281806" y="2054222"/>
-            <a:ext cx="4878620" cy="1367416"/>
-            <a:chOff x="2281806" y="2054222"/>
-            <a:chExt cx="4878620" cy="1367416"/>
+            <a:off x="2275580" y="1509586"/>
+            <a:ext cx="4884846" cy="1912052"/>
+            <a:chOff x="2275580" y="1509586"/>
+            <a:chExt cx="4884846" cy="1912052"/>
           </a:xfrm>
         </p:grpSpPr>
         <p:grpSp>
           <p:nvGrpSpPr>
-            <p:cNvPr id="18" name="组合 17">
+            <p:cNvPr id="30" name="组合 29">
               <a:extLst>
                 <a:ext uri="{FF2B5EF4-FFF2-40B4-BE49-F238E27FC236}">
-                  <a16:creationId xmlns:a16="http://schemas.microsoft.com/office/drawing/2014/main" id="{AADCDE93-6DCC-4EBF-9917-C664BFEF48FB}"/>
+                  <a16:creationId xmlns:a16="http://schemas.microsoft.com/office/drawing/2014/main" id="{3B70042F-483A-4476-AEA0-DCB3B7688637}"/>
                 </a:ext>
               </a:extLst>
             </p:cNvPr>
@@ -3355,59 +3360,440 @@
           </p:nvGrpSpPr>
           <p:grpSpPr>
             <a:xfrm>
-              <a:off x="2281806" y="2133600"/>
-              <a:ext cx="4050635" cy="1288038"/>
-              <a:chOff x="2281806" y="2133600"/>
-              <a:chExt cx="4050635" cy="1288038"/>
+              <a:off x="2281806" y="1952609"/>
+              <a:ext cx="4878620" cy="1469029"/>
+              <a:chOff x="2281806" y="1952609"/>
+              <a:chExt cx="4878620" cy="1469029"/>
             </a:xfrm>
           </p:grpSpPr>
-          <p:cxnSp>
-            <p:nvCxnSpPr>
-              <p:cNvPr id="5" name="直接连接符 4">
+          <p:grpSp>
+            <p:nvGrpSpPr>
+              <p:cNvPr id="18" name="组合 17">
                 <a:extLst>
                   <a:ext uri="{FF2B5EF4-FFF2-40B4-BE49-F238E27FC236}">
-                    <a16:creationId xmlns:a16="http://schemas.microsoft.com/office/drawing/2014/main" id="{247D35DD-63DD-4614-81D7-AD19C0DE887D}"/>
+                    <a16:creationId xmlns:a16="http://schemas.microsoft.com/office/drawing/2014/main" id="{AADCDE93-6DCC-4EBF-9917-C664BFEF48FB}"/>
                   </a:ext>
                 </a:extLst>
               </p:cNvPr>
-              <p:cNvCxnSpPr/>
+              <p:cNvGrpSpPr/>
               <p:nvPr/>
-            </p:nvCxnSpPr>
+            </p:nvGrpSpPr>
+            <p:grpSpPr>
+              <a:xfrm>
+                <a:off x="2281806" y="2133600"/>
+                <a:ext cx="4050635" cy="1288038"/>
+                <a:chOff x="2281806" y="2133600"/>
+                <a:chExt cx="4050635" cy="1288038"/>
+              </a:xfrm>
+            </p:grpSpPr>
+            <p:cxnSp>
+              <p:nvCxnSpPr>
+                <p:cNvPr id="5" name="直接连接符 4">
+                  <a:extLst>
+                    <a:ext uri="{FF2B5EF4-FFF2-40B4-BE49-F238E27FC236}">
+                      <a16:creationId xmlns:a16="http://schemas.microsoft.com/office/drawing/2014/main" id="{247D35DD-63DD-4614-81D7-AD19C0DE887D}"/>
+                    </a:ext>
+                  </a:extLst>
+                </p:cNvPr>
+                <p:cNvCxnSpPr/>
+                <p:nvPr/>
+              </p:nvCxnSpPr>
+              <p:spPr>
+                <a:xfrm>
+                  <a:off x="2281806" y="2827090"/>
+                  <a:ext cx="3600000" cy="0"/>
+                </a:xfrm>
+                <a:prstGeom prst="line">
+                  <a:avLst/>
+                </a:prstGeom>
+                <a:ln w="25400">
+                  <a:solidFill>
+                    <a:schemeClr val="tx1"/>
+                  </a:solidFill>
+                </a:ln>
+              </p:spPr>
+              <p:style>
+                <a:lnRef idx="1">
+                  <a:schemeClr val="accent1"/>
+                </a:lnRef>
+                <a:fillRef idx="0">
+                  <a:schemeClr val="accent1"/>
+                </a:fillRef>
+                <a:effectRef idx="0">
+                  <a:schemeClr val="accent1"/>
+                </a:effectRef>
+                <a:fontRef idx="minor">
+                  <a:schemeClr val="tx1"/>
+                </a:fontRef>
+              </p:style>
+            </p:cxnSp>
+            <p:cxnSp>
+              <p:nvCxnSpPr>
+                <p:cNvPr id="7" name="直接连接符 6">
+                  <a:extLst>
+                    <a:ext uri="{FF2B5EF4-FFF2-40B4-BE49-F238E27FC236}">
+                      <a16:creationId xmlns:a16="http://schemas.microsoft.com/office/drawing/2014/main" id="{69AF8D64-A1DA-46E1-9DE5-A8F34EC942BE}"/>
+                    </a:ext>
+                  </a:extLst>
+                </p:cNvPr>
+                <p:cNvCxnSpPr>
+                  <a:cxnSpLocks/>
+                </p:cNvCxnSpPr>
+                <p:nvPr/>
+              </p:nvCxnSpPr>
+              <p:spPr>
+                <a:xfrm flipV="1">
+                  <a:off x="2688120" y="2133600"/>
+                  <a:ext cx="2842730" cy="1079641"/>
+                </a:xfrm>
+                <a:prstGeom prst="line">
+                  <a:avLst/>
+                </a:prstGeom>
+                <a:ln w="25400">
+                  <a:solidFill>
+                    <a:srgbClr val="FF0000"/>
+                  </a:solidFill>
+                </a:ln>
+              </p:spPr>
+              <p:style>
+                <a:lnRef idx="1">
+                  <a:schemeClr val="accent1"/>
+                </a:lnRef>
+                <a:fillRef idx="0">
+                  <a:schemeClr val="accent1"/>
+                </a:fillRef>
+                <a:effectRef idx="0">
+                  <a:schemeClr val="accent1"/>
+                </a:effectRef>
+                <a:fontRef idx="minor">
+                  <a:schemeClr val="tx1"/>
+                </a:fontRef>
+              </p:style>
+            </p:cxnSp>
+            <p:sp>
+              <p:nvSpPr>
+                <p:cNvPr id="9" name="弧形 8">
+                  <a:extLst>
+                    <a:ext uri="{FF2B5EF4-FFF2-40B4-BE49-F238E27FC236}">
+                      <a16:creationId xmlns:a16="http://schemas.microsoft.com/office/drawing/2014/main" id="{700F4BDD-580D-424E-B821-91917F87D27C}"/>
+                    </a:ext>
+                  </a:extLst>
+                </p:cNvPr>
+                <p:cNvSpPr/>
+                <p:nvPr/>
+              </p:nvSpPr>
+              <p:spPr>
+                <a:xfrm rot="1628714">
+                  <a:off x="4132312" y="2529341"/>
+                  <a:ext cx="475250" cy="363422"/>
+                </a:xfrm>
+                <a:prstGeom prst="arc">
+                  <a:avLst/>
+                </a:prstGeom>
+                <a:ln w="12700">
+                  <a:solidFill>
+                    <a:schemeClr val="tx1"/>
+                  </a:solidFill>
+                </a:ln>
+              </p:spPr>
+              <p:style>
+                <a:lnRef idx="1">
+                  <a:schemeClr val="accent1"/>
+                </a:lnRef>
+                <a:fillRef idx="0">
+                  <a:schemeClr val="accent1"/>
+                </a:fillRef>
+                <a:effectRef idx="0">
+                  <a:schemeClr val="accent1"/>
+                </a:effectRef>
+                <a:fontRef idx="minor">
+                  <a:schemeClr val="tx1"/>
+                </a:fontRef>
+              </p:style>
+              <p:txBody>
+                <a:bodyPr rtlCol="0" anchor="ctr"/>
+                <a:lstStyle/>
+                <a:p>
+                  <a:pPr algn="ctr"/>
+                  <a:endParaRPr lang="zh-CN" altLang="en-US"/>
+                </a:p>
+              </p:txBody>
+            </p:sp>
+            <p:sp>
+              <p:nvSpPr>
+                <p:cNvPr id="10" name="文本框 9">
+                  <a:extLst>
+                    <a:ext uri="{FF2B5EF4-FFF2-40B4-BE49-F238E27FC236}">
+                      <a16:creationId xmlns:a16="http://schemas.microsoft.com/office/drawing/2014/main" id="{B6F8BBA9-E967-482D-911E-6A8D54B55C8A}"/>
+                    </a:ext>
+                  </a:extLst>
+                </p:cNvPr>
+                <p:cNvSpPr txBox="1"/>
+                <p:nvPr/>
+              </p:nvSpPr>
+              <p:spPr>
+                <a:xfrm>
+                  <a:off x="4572000" y="2447117"/>
+                  <a:ext cx="736600" cy="369332"/>
+                </a:xfrm>
+                <a:prstGeom prst="rect">
+                  <a:avLst/>
+                </a:prstGeom>
+                <a:noFill/>
+              </p:spPr>
+              <p:txBody>
+                <a:bodyPr wrap="square" rtlCol="0">
+                  <a:spAutoFit/>
+                </a:bodyPr>
+                <a:lstStyle/>
+                <a:p>
+                  <a:r>
+                    <a:rPr lang="el-GR" altLang="zh-CN" i="1" dirty="0">
+                      <a:latin typeface="Times New Roman" panose="02020603050405020304" pitchFamily="18" charset="0"/>
+                      <a:cs typeface="Times New Roman" panose="02020603050405020304" pitchFamily="18" charset="0"/>
+                    </a:rPr>
+                    <a:t>α</a:t>
+                  </a:r>
+                  <a:endParaRPr lang="zh-CN" altLang="en-US" i="1" dirty="0">
+                    <a:latin typeface="Times New Roman" panose="02020603050405020304" pitchFamily="18" charset="0"/>
+                    <a:cs typeface="Times New Roman" panose="02020603050405020304" pitchFamily="18" charset="0"/>
+                  </a:endParaRPr>
+                </a:p>
+              </p:txBody>
+            </p:sp>
+            <p:sp>
+              <p:nvSpPr>
+                <p:cNvPr id="11" name="文本框 10">
+                  <a:extLst>
+                    <a:ext uri="{FF2B5EF4-FFF2-40B4-BE49-F238E27FC236}">
+                      <a16:creationId xmlns:a16="http://schemas.microsoft.com/office/drawing/2014/main" id="{2EF8CD63-7748-48EB-A9D9-254F756930EB}"/>
+                    </a:ext>
+                  </a:extLst>
+                </p:cNvPr>
+                <p:cNvSpPr txBox="1"/>
+                <p:nvPr/>
+              </p:nvSpPr>
+              <p:spPr>
+                <a:xfrm>
+                  <a:off x="4317696" y="3052306"/>
+                  <a:ext cx="458155" cy="369332"/>
+                </a:xfrm>
+                <a:prstGeom prst="rect">
+                  <a:avLst/>
+                </a:prstGeom>
+                <a:noFill/>
+              </p:spPr>
+              <p:txBody>
+                <a:bodyPr wrap="square" rtlCol="0">
+                  <a:spAutoFit/>
+                </a:bodyPr>
+                <a:lstStyle/>
+                <a:p>
+                  <a:r>
+                    <a:rPr lang="en-US" altLang="zh-CN" i="1" dirty="0">
+                      <a:latin typeface="Times New Roman" panose="02020603050405020304" pitchFamily="18" charset="0"/>
+                      <a:cs typeface="Times New Roman" panose="02020603050405020304" pitchFamily="18" charset="0"/>
+                    </a:rPr>
+                    <a:t>∆x</a:t>
+                  </a:r>
+                  <a:endParaRPr lang="zh-CN" altLang="en-US" i="1" dirty="0">
+                    <a:latin typeface="Times New Roman" panose="02020603050405020304" pitchFamily="18" charset="0"/>
+                    <a:cs typeface="Times New Roman" panose="02020603050405020304" pitchFamily="18" charset="0"/>
+                  </a:endParaRPr>
+                </a:p>
+              </p:txBody>
+            </p:sp>
+            <p:sp>
+              <p:nvSpPr>
+                <p:cNvPr id="14" name="文本框 13">
+                  <a:extLst>
+                    <a:ext uri="{FF2B5EF4-FFF2-40B4-BE49-F238E27FC236}">
+                      <a16:creationId xmlns:a16="http://schemas.microsoft.com/office/drawing/2014/main" id="{2BAAD5A3-22C2-48E7-8030-833F0B9E8E63}"/>
+                    </a:ext>
+                  </a:extLst>
+                </p:cNvPr>
+                <p:cNvSpPr txBox="1"/>
+                <p:nvPr/>
+              </p:nvSpPr>
+              <p:spPr>
+                <a:xfrm>
+                  <a:off x="5398247" y="2250784"/>
+                  <a:ext cx="934194" cy="383542"/>
+                </a:xfrm>
+                <a:prstGeom prst="rect">
+                  <a:avLst/>
+                </a:prstGeom>
+                <a:noFill/>
+              </p:spPr>
+              <p:txBody>
+                <a:bodyPr wrap="square" rtlCol="0">
+                  <a:spAutoFit/>
+                </a:bodyPr>
+                <a:lstStyle/>
+                <a:p>
+                  <a:r>
+                    <a:rPr lang="el-GR" altLang="zh-CN" dirty="0">
+                      <a:latin typeface="Times New Roman" panose="02020603050405020304" pitchFamily="18" charset="0"/>
+                      <a:cs typeface="Times New Roman" panose="02020603050405020304" pitchFamily="18" charset="0"/>
+                    </a:rPr>
+                    <a:t>∆</a:t>
+                  </a:r>
+                  <a:r>
+                    <a:rPr lang="el-GR" altLang="zh-CN" i="1" dirty="0">
+                      <a:latin typeface="Times New Roman" panose="02020603050405020304" pitchFamily="18" charset="0"/>
+                      <a:cs typeface="Times New Roman" panose="02020603050405020304" pitchFamily="18" charset="0"/>
+                    </a:rPr>
+                    <a:t>φ</a:t>
+                  </a:r>
+                  <a:endParaRPr lang="zh-CN" altLang="en-US" i="1" dirty="0"/>
+                </a:p>
+              </p:txBody>
+            </p:sp>
+            <p:sp>
+              <p:nvSpPr>
+                <p:cNvPr id="16" name="右大括号 15">
+                  <a:extLst>
+                    <a:ext uri="{FF2B5EF4-FFF2-40B4-BE49-F238E27FC236}">
+                      <a16:creationId xmlns:a16="http://schemas.microsoft.com/office/drawing/2014/main" id="{21DAFC3E-0CAE-456C-8711-338323EEDCEB}"/>
+                    </a:ext>
+                  </a:extLst>
+                </p:cNvPr>
+                <p:cNvSpPr/>
+                <p:nvPr/>
+              </p:nvSpPr>
+              <p:spPr>
+                <a:xfrm rot="20490597">
+                  <a:off x="5275462" y="2235900"/>
+                  <a:ext cx="161926" cy="569573"/>
+                </a:xfrm>
+                <a:prstGeom prst="rightBrace">
+                  <a:avLst/>
+                </a:prstGeom>
+                <a:ln w="12700" cap="rnd">
+                  <a:solidFill>
+                    <a:schemeClr val="tx1"/>
+                  </a:solidFill>
+                  <a:round/>
+                </a:ln>
+              </p:spPr>
+              <p:style>
+                <a:lnRef idx="1">
+                  <a:schemeClr val="accent1"/>
+                </a:lnRef>
+                <a:fillRef idx="0">
+                  <a:schemeClr val="accent1"/>
+                </a:fillRef>
+                <a:effectRef idx="0">
+                  <a:schemeClr val="accent1"/>
+                </a:effectRef>
+                <a:fontRef idx="minor">
+                  <a:schemeClr val="tx1"/>
+                </a:fontRef>
+              </p:style>
+              <p:txBody>
+                <a:bodyPr rtlCol="0" anchor="ctr"/>
+                <a:lstStyle/>
+                <a:p>
+                  <a:pPr algn="ctr"/>
+                  <a:endParaRPr lang="zh-CN" altLang="en-US"/>
+                </a:p>
+              </p:txBody>
+            </p:sp>
+            <p:sp>
+              <p:nvSpPr>
+                <p:cNvPr id="17" name="右大括号 16">
+                  <a:extLst>
+                    <a:ext uri="{FF2B5EF4-FFF2-40B4-BE49-F238E27FC236}">
+                      <a16:creationId xmlns:a16="http://schemas.microsoft.com/office/drawing/2014/main" id="{2273C1D1-0E2A-444E-9421-046F31AEA440}"/>
+                    </a:ext>
+                  </a:extLst>
+                </p:cNvPr>
+                <p:cNvSpPr/>
+                <p:nvPr/>
+              </p:nvSpPr>
+              <p:spPr>
+                <a:xfrm rot="5400000">
+                  <a:off x="4444174" y="2155003"/>
+                  <a:ext cx="205200" cy="1644300"/>
+                </a:xfrm>
+                <a:prstGeom prst="rightBrace">
+                  <a:avLst/>
+                </a:prstGeom>
+                <a:ln w="12700" cap="rnd">
+                  <a:solidFill>
+                    <a:schemeClr val="tx1"/>
+                  </a:solidFill>
+                  <a:round/>
+                </a:ln>
+              </p:spPr>
+              <p:style>
+                <a:lnRef idx="1">
+                  <a:schemeClr val="accent1"/>
+                </a:lnRef>
+                <a:fillRef idx="0">
+                  <a:schemeClr val="accent1"/>
+                </a:fillRef>
+                <a:effectRef idx="0">
+                  <a:schemeClr val="accent1"/>
+                </a:effectRef>
+                <a:fontRef idx="minor">
+                  <a:schemeClr val="tx1"/>
+                </a:fontRef>
+              </p:style>
+              <p:txBody>
+                <a:bodyPr rtlCol="0" anchor="ctr"/>
+                <a:lstStyle/>
+                <a:p>
+                  <a:pPr algn="ctr"/>
+                  <a:endParaRPr lang="zh-CN" altLang="en-US"/>
+                </a:p>
+              </p:txBody>
+            </p:sp>
+          </p:grpSp>
+          <p:sp>
+            <p:nvSpPr>
+              <p:cNvPr id="20" name="文本框 19">
+                <a:extLst>
+                  <a:ext uri="{FF2B5EF4-FFF2-40B4-BE49-F238E27FC236}">
+                    <a16:creationId xmlns:a16="http://schemas.microsoft.com/office/drawing/2014/main" id="{D1067CCB-F5C2-42D9-9087-E4BA8458E92A}"/>
+                  </a:ext>
+                </a:extLst>
+              </p:cNvPr>
+              <p:cNvSpPr txBox="1"/>
+              <p:nvPr/>
+            </p:nvSpPr>
             <p:spPr>
               <a:xfrm>
-                <a:off x="2281806" y="2827090"/>
-                <a:ext cx="3600000" cy="0"/>
+                <a:off x="5091361" y="2983704"/>
+                <a:ext cx="2069065" cy="276999"/>
               </a:xfrm>
-              <a:prstGeom prst="line">
+              <a:prstGeom prst="rect">
                 <a:avLst/>
               </a:prstGeom>
-              <a:ln w="25400">
-                <a:solidFill>
-                  <a:schemeClr val="tx1"/>
-                </a:solidFill>
-              </a:ln>
+              <a:noFill/>
             </p:spPr>
-            <p:style>
-              <a:lnRef idx="1">
-                <a:schemeClr val="accent1"/>
-              </a:lnRef>
-              <a:fillRef idx="0">
-                <a:schemeClr val="accent1"/>
-              </a:fillRef>
-              <a:effectRef idx="0">
-                <a:schemeClr val="accent1"/>
-              </a:effectRef>
-              <a:fontRef idx="minor">
-                <a:schemeClr val="tx1"/>
-              </a:fontRef>
-            </p:style>
-          </p:cxnSp>
+            <p:txBody>
+              <a:bodyPr wrap="square" rtlCol="0">
+                <a:spAutoFit/>
+              </a:bodyPr>
+              <a:lstStyle/>
+              <a:p>
+                <a:r>
+                  <a:rPr lang="zh-CN" altLang="en-US" sz="1200" dirty="0">
+                    <a:latin typeface="Microsoft YaHei UI" panose="020B0503020204020204" pitchFamily="34" charset="-122"/>
+                    <a:ea typeface="Microsoft YaHei UI" panose="020B0503020204020204" pitchFamily="34" charset="-122"/>
+                  </a:rPr>
+                  <a:t>参考光的相位面</a:t>
+                </a:r>
+              </a:p>
+            </p:txBody>
+          </p:sp>
           <p:cxnSp>
             <p:nvCxnSpPr>
-              <p:cNvPr id="7" name="直接连接符 6">
+              <p:cNvPr id="23" name="直接连接符 22">
                 <a:extLst>
                   <a:ext uri="{FF2B5EF4-FFF2-40B4-BE49-F238E27FC236}">
-                    <a16:creationId xmlns:a16="http://schemas.microsoft.com/office/drawing/2014/main" id="{69AF8D64-A1DA-46E1-9DE5-A8F34EC942BE}"/>
+                    <a16:creationId xmlns:a16="http://schemas.microsoft.com/office/drawing/2014/main" id="{059E7E19-AC43-46FA-8CDD-590401820304}"/>
                   </a:ext>
                 </a:extLst>
               </p:cNvPr>
@@ -3417,14 +3803,14 @@
               <p:nvPr/>
             </p:nvCxnSpPr>
             <p:spPr>
-              <a:xfrm flipV="1">
-                <a:off x="2688120" y="2133600"/>
-                <a:ext cx="2842730" cy="1079641"/>
+              <a:xfrm>
+                <a:off x="5189324" y="2266950"/>
+                <a:ext cx="179600" cy="568640"/>
               </a:xfrm>
               <a:prstGeom prst="line">
                 <a:avLst/>
               </a:prstGeom>
-              <a:ln w="25400">
+              <a:ln>
                 <a:solidFill>
                   <a:schemeClr val="tx1"/>
                 </a:solidFill>
@@ -3447,59 +3833,10 @@
           </p:cxnSp>
           <p:sp>
             <p:nvSpPr>
-              <p:cNvPr id="9" name="弧形 8">
+              <p:cNvPr id="19" name="文本框 18">
                 <a:extLst>
                   <a:ext uri="{FF2B5EF4-FFF2-40B4-BE49-F238E27FC236}">
-                    <a16:creationId xmlns:a16="http://schemas.microsoft.com/office/drawing/2014/main" id="{700F4BDD-580D-424E-B821-91917F87D27C}"/>
-                  </a:ext>
-                </a:extLst>
-              </p:cNvPr>
-              <p:cNvSpPr/>
-              <p:nvPr/>
-            </p:nvSpPr>
-            <p:spPr>
-              <a:xfrm rot="1628714">
-                <a:off x="4132312" y="2529341"/>
-                <a:ext cx="475250" cy="363422"/>
-              </a:xfrm>
-              <a:prstGeom prst="arc">
-                <a:avLst/>
-              </a:prstGeom>
-              <a:ln w="12700">
-                <a:solidFill>
-                  <a:schemeClr val="tx1"/>
-                </a:solidFill>
-              </a:ln>
-            </p:spPr>
-            <p:style>
-              <a:lnRef idx="1">
-                <a:schemeClr val="accent1"/>
-              </a:lnRef>
-              <a:fillRef idx="0">
-                <a:schemeClr val="accent1"/>
-              </a:fillRef>
-              <a:effectRef idx="0">
-                <a:schemeClr val="accent1"/>
-              </a:effectRef>
-              <a:fontRef idx="minor">
-                <a:schemeClr val="tx1"/>
-              </a:fontRef>
-            </p:style>
-            <p:txBody>
-              <a:bodyPr rtlCol="0" anchor="ctr"/>
-              <a:lstStyle/>
-              <a:p>
-                <a:pPr algn="ctr"/>
-                <a:endParaRPr lang="zh-CN" altLang="en-US"/>
-              </a:p>
-            </p:txBody>
-          </p:sp>
-          <p:sp>
-            <p:nvSpPr>
-              <p:cNvPr id="10" name="文本框 9">
-                <a:extLst>
-                  <a:ext uri="{FF2B5EF4-FFF2-40B4-BE49-F238E27FC236}">
-                    <a16:creationId xmlns:a16="http://schemas.microsoft.com/office/drawing/2014/main" id="{B6F8BBA9-E967-482D-911E-6A8D54B55C8A}"/>
+                    <a16:creationId xmlns:a16="http://schemas.microsoft.com/office/drawing/2014/main" id="{EE4A29E5-F610-4FC5-8AA7-3AE451E130D1}"/>
                   </a:ext>
                 </a:extLst>
               </p:cNvPr>
@@ -3508,8 +3845,8 @@
             </p:nvSpPr>
             <p:spPr>
               <a:xfrm>
-                <a:off x="4572000" y="2447117"/>
-                <a:ext cx="736600" cy="369332"/>
+                <a:off x="5490893" y="1952609"/>
+                <a:ext cx="1270000" cy="276999"/>
               </a:xfrm>
               <a:prstGeom prst="rect">
                 <a:avLst/>
@@ -3523,290 +3860,25 @@
               <a:lstStyle/>
               <a:p>
                 <a:r>
-                  <a:rPr lang="el-GR" altLang="zh-CN" i="1" dirty="0">
-                    <a:latin typeface="Times New Roman" panose="02020603050405020304" pitchFamily="18" charset="0"/>
-                    <a:cs typeface="Times New Roman" panose="02020603050405020304" pitchFamily="18" charset="0"/>
+                  <a:rPr lang="zh-CN" altLang="en-US" sz="1200" dirty="0">
+                    <a:solidFill>
+                      <a:srgbClr val="FF0000"/>
+                    </a:solidFill>
+                    <a:latin typeface="Microsoft YaHei UI" panose="020B0503020204020204" pitchFamily="34" charset="-122"/>
+                    <a:ea typeface="Microsoft YaHei UI" panose="020B0503020204020204" pitchFamily="34" charset="-122"/>
                   </a:rPr>
-                  <a:t>α</a:t>
+                  <a:t>测量光的相位面</a:t>
                 </a:r>
-                <a:endParaRPr lang="zh-CN" altLang="en-US" i="1" dirty="0">
-                  <a:latin typeface="Times New Roman" panose="02020603050405020304" pitchFamily="18" charset="0"/>
-                  <a:cs typeface="Times New Roman" panose="02020603050405020304" pitchFamily="18" charset="0"/>
-                </a:endParaRPr>
-              </a:p>
-            </p:txBody>
-          </p:sp>
-          <p:sp>
-            <p:nvSpPr>
-              <p:cNvPr id="11" name="文本框 10">
-                <a:extLst>
-                  <a:ext uri="{FF2B5EF4-FFF2-40B4-BE49-F238E27FC236}">
-                    <a16:creationId xmlns:a16="http://schemas.microsoft.com/office/drawing/2014/main" id="{2EF8CD63-7748-48EB-A9D9-254F756930EB}"/>
-                  </a:ext>
-                </a:extLst>
-              </p:cNvPr>
-              <p:cNvSpPr txBox="1"/>
-              <p:nvPr/>
-            </p:nvSpPr>
-            <p:spPr>
-              <a:xfrm>
-                <a:off x="4317696" y="3052306"/>
-                <a:ext cx="458155" cy="369332"/>
-              </a:xfrm>
-              <a:prstGeom prst="rect">
-                <a:avLst/>
-              </a:prstGeom>
-              <a:noFill/>
-            </p:spPr>
-            <p:txBody>
-              <a:bodyPr wrap="square" rtlCol="0">
-                <a:spAutoFit/>
-              </a:bodyPr>
-              <a:lstStyle/>
-              <a:p>
-                <a:r>
-                  <a:rPr lang="en-US" altLang="zh-CN" i="1" dirty="0">
-                    <a:latin typeface="Times New Roman" panose="02020603050405020304" pitchFamily="18" charset="0"/>
-                    <a:cs typeface="Times New Roman" panose="02020603050405020304" pitchFamily="18" charset="0"/>
-                  </a:rPr>
-                  <a:t>∆x</a:t>
-                </a:r>
-                <a:endParaRPr lang="zh-CN" altLang="en-US" i="1" dirty="0">
-                  <a:latin typeface="Times New Roman" panose="02020603050405020304" pitchFamily="18" charset="0"/>
-                  <a:cs typeface="Times New Roman" panose="02020603050405020304" pitchFamily="18" charset="0"/>
-                </a:endParaRPr>
-              </a:p>
-            </p:txBody>
-          </p:sp>
-          <p:sp>
-            <p:nvSpPr>
-              <p:cNvPr id="14" name="文本框 13">
-                <a:extLst>
-                  <a:ext uri="{FF2B5EF4-FFF2-40B4-BE49-F238E27FC236}">
-                    <a16:creationId xmlns:a16="http://schemas.microsoft.com/office/drawing/2014/main" id="{2BAAD5A3-22C2-48E7-8030-833F0B9E8E63}"/>
-                  </a:ext>
-                </a:extLst>
-              </p:cNvPr>
-              <p:cNvSpPr txBox="1"/>
-              <p:nvPr/>
-            </p:nvSpPr>
-            <p:spPr>
-              <a:xfrm>
-                <a:off x="5398247" y="2250784"/>
-                <a:ext cx="934194" cy="383542"/>
-              </a:xfrm>
-              <a:prstGeom prst="rect">
-                <a:avLst/>
-              </a:prstGeom>
-              <a:noFill/>
-            </p:spPr>
-            <p:txBody>
-              <a:bodyPr wrap="square" rtlCol="0">
-                <a:spAutoFit/>
-              </a:bodyPr>
-              <a:lstStyle/>
-              <a:p>
-                <a:r>
-                  <a:rPr lang="el-GR" altLang="zh-CN" dirty="0">
-                    <a:latin typeface="Times New Roman" panose="02020603050405020304" pitchFamily="18" charset="0"/>
-                    <a:cs typeface="Times New Roman" panose="02020603050405020304" pitchFamily="18" charset="0"/>
-                  </a:rPr>
-                  <a:t>∆</a:t>
-                </a:r>
-                <a:r>
-                  <a:rPr lang="el-GR" altLang="zh-CN" i="1" dirty="0">
-                    <a:latin typeface="Times New Roman" panose="02020603050405020304" pitchFamily="18" charset="0"/>
-                    <a:cs typeface="Times New Roman" panose="02020603050405020304" pitchFamily="18" charset="0"/>
-                  </a:rPr>
-                  <a:t>φ</a:t>
-                </a:r>
-                <a:endParaRPr lang="zh-CN" altLang="en-US" i="1" dirty="0"/>
-              </a:p>
-            </p:txBody>
-          </p:sp>
-          <p:sp>
-            <p:nvSpPr>
-              <p:cNvPr id="16" name="右大括号 15">
-                <a:extLst>
-                  <a:ext uri="{FF2B5EF4-FFF2-40B4-BE49-F238E27FC236}">
-                    <a16:creationId xmlns:a16="http://schemas.microsoft.com/office/drawing/2014/main" id="{21DAFC3E-0CAE-456C-8711-338323EEDCEB}"/>
-                  </a:ext>
-                </a:extLst>
-              </p:cNvPr>
-              <p:cNvSpPr/>
-              <p:nvPr/>
-            </p:nvSpPr>
-            <p:spPr>
-              <a:xfrm rot="20490597">
-                <a:off x="5275462" y="2235900"/>
-                <a:ext cx="161926" cy="569573"/>
-              </a:xfrm>
-              <a:prstGeom prst="rightBrace">
-                <a:avLst/>
-              </a:prstGeom>
-              <a:ln w="12700" cap="rnd">
-                <a:solidFill>
-                  <a:schemeClr val="tx1"/>
-                </a:solidFill>
-                <a:round/>
-              </a:ln>
-            </p:spPr>
-            <p:style>
-              <a:lnRef idx="1">
-                <a:schemeClr val="accent1"/>
-              </a:lnRef>
-              <a:fillRef idx="0">
-                <a:schemeClr val="accent1"/>
-              </a:fillRef>
-              <a:effectRef idx="0">
-                <a:schemeClr val="accent1"/>
-              </a:effectRef>
-              <a:fontRef idx="minor">
-                <a:schemeClr val="tx1"/>
-              </a:fontRef>
-            </p:style>
-            <p:txBody>
-              <a:bodyPr rtlCol="0" anchor="ctr"/>
-              <a:lstStyle/>
-              <a:p>
-                <a:pPr algn="ctr"/>
-                <a:endParaRPr lang="zh-CN" altLang="en-US"/>
-              </a:p>
-            </p:txBody>
-          </p:sp>
-          <p:sp>
-            <p:nvSpPr>
-              <p:cNvPr id="17" name="右大括号 16">
-                <a:extLst>
-                  <a:ext uri="{FF2B5EF4-FFF2-40B4-BE49-F238E27FC236}">
-                    <a16:creationId xmlns:a16="http://schemas.microsoft.com/office/drawing/2014/main" id="{2273C1D1-0E2A-444E-9421-046F31AEA440}"/>
-                  </a:ext>
-                </a:extLst>
-              </p:cNvPr>
-              <p:cNvSpPr/>
-              <p:nvPr/>
-            </p:nvSpPr>
-            <p:spPr>
-              <a:xfrm rot="5400000">
-                <a:off x="4444174" y="2155003"/>
-                <a:ext cx="205200" cy="1644300"/>
-              </a:xfrm>
-              <a:prstGeom prst="rightBrace">
-                <a:avLst/>
-              </a:prstGeom>
-              <a:ln w="12700" cap="rnd">
-                <a:solidFill>
-                  <a:schemeClr val="tx1"/>
-                </a:solidFill>
-                <a:round/>
-              </a:ln>
-            </p:spPr>
-            <p:style>
-              <a:lnRef idx="1">
-                <a:schemeClr val="accent1"/>
-              </a:lnRef>
-              <a:fillRef idx="0">
-                <a:schemeClr val="accent1"/>
-              </a:fillRef>
-              <a:effectRef idx="0">
-                <a:schemeClr val="accent1"/>
-              </a:effectRef>
-              <a:fontRef idx="minor">
-                <a:schemeClr val="tx1"/>
-              </a:fontRef>
-            </p:style>
-            <p:txBody>
-              <a:bodyPr rtlCol="0" anchor="ctr"/>
-              <a:lstStyle/>
-              <a:p>
-                <a:pPr algn="ctr"/>
-                <a:endParaRPr lang="zh-CN" altLang="en-US"/>
               </a:p>
             </p:txBody>
           </p:sp>
         </p:grpSp>
-        <p:sp>
-          <p:nvSpPr>
-            <p:cNvPr id="19" name="文本框 18">
+        <p:cxnSp>
+          <p:nvCxnSpPr>
+            <p:cNvPr id="15" name="直接连接符 14">
               <a:extLst>
                 <a:ext uri="{FF2B5EF4-FFF2-40B4-BE49-F238E27FC236}">
-                  <a16:creationId xmlns:a16="http://schemas.microsoft.com/office/drawing/2014/main" id="{EE4A29E5-F610-4FC5-8AA7-3AE451E130D1}"/>
-                </a:ext>
-              </a:extLst>
-            </p:cNvPr>
-            <p:cNvSpPr txBox="1"/>
-            <p:nvPr/>
-          </p:nvSpPr>
-          <p:spPr>
-            <a:xfrm>
-              <a:off x="3422904" y="2054222"/>
-              <a:ext cx="1270000" cy="276999"/>
-            </a:xfrm>
-            <a:prstGeom prst="rect">
-              <a:avLst/>
-            </a:prstGeom>
-            <a:noFill/>
-          </p:spPr>
-          <p:txBody>
-            <a:bodyPr wrap="square" rtlCol="0">
-              <a:spAutoFit/>
-            </a:bodyPr>
-            <a:lstStyle/>
-            <a:p>
-              <a:r>
-                <a:rPr lang="zh-CN" altLang="en-US" sz="1200" dirty="0">
-                  <a:latin typeface="Microsoft YaHei UI" panose="020B0503020204020204" pitchFamily="34" charset="-122"/>
-                  <a:ea typeface="Microsoft YaHei UI" panose="020B0503020204020204" pitchFamily="34" charset="-122"/>
-                </a:rPr>
-                <a:t>测量光的相位面</a:t>
-              </a:r>
-            </a:p>
-          </p:txBody>
-        </p:sp>
-        <p:sp>
-          <p:nvSpPr>
-            <p:cNvPr id="20" name="文本框 19">
-              <a:extLst>
-                <a:ext uri="{FF2B5EF4-FFF2-40B4-BE49-F238E27FC236}">
-                  <a16:creationId xmlns:a16="http://schemas.microsoft.com/office/drawing/2014/main" id="{D1067CCB-F5C2-42D9-9087-E4BA8458E92A}"/>
-                </a:ext>
-              </a:extLst>
-            </p:cNvPr>
-            <p:cNvSpPr txBox="1"/>
-            <p:nvPr/>
-          </p:nvSpPr>
-          <p:spPr>
-            <a:xfrm>
-              <a:off x="5091361" y="2983704"/>
-              <a:ext cx="2069065" cy="276999"/>
-            </a:xfrm>
-            <a:prstGeom prst="rect">
-              <a:avLst/>
-            </a:prstGeom>
-            <a:noFill/>
-          </p:spPr>
-          <p:txBody>
-            <a:bodyPr wrap="square" rtlCol="0">
-              <a:spAutoFit/>
-            </a:bodyPr>
-            <a:lstStyle/>
-            <a:p>
-              <a:r>
-                <a:rPr lang="zh-CN" altLang="en-US" sz="1200" dirty="0">
-                  <a:latin typeface="Microsoft YaHei UI" panose="020B0503020204020204" pitchFamily="34" charset="-122"/>
-                  <a:ea typeface="Microsoft YaHei UI" panose="020B0503020204020204" pitchFamily="34" charset="-122"/>
-                </a:rPr>
-                <a:t>参考光的相位面</a:t>
-              </a:r>
-            </a:p>
-          </p:txBody>
-        </p:sp>
-        <p:cxnSp>
-          <p:nvCxnSpPr>
-            <p:cNvPr id="23" name="直接连接符 22">
-              <a:extLst>
-                <a:ext uri="{FF2B5EF4-FFF2-40B4-BE49-F238E27FC236}">
-                  <a16:creationId xmlns:a16="http://schemas.microsoft.com/office/drawing/2014/main" id="{059E7E19-AC43-46FA-8CDD-590401820304}"/>
+                  <a16:creationId xmlns:a16="http://schemas.microsoft.com/office/drawing/2014/main" id="{3B6E241F-2C4C-40DA-AA41-6B5CA611FED9}"/>
                 </a:ext>
               </a:extLst>
             </p:cNvPr>
@@ -3816,17 +3888,146 @@
             <p:nvPr/>
           </p:nvCxnSpPr>
           <p:spPr>
-            <a:xfrm>
-              <a:off x="5189324" y="2266950"/>
-              <a:ext cx="179600" cy="568640"/>
+            <a:xfrm flipV="1">
+              <a:off x="2636539" y="1839567"/>
+              <a:ext cx="2842730" cy="1079641"/>
             </a:xfrm>
             <a:prstGeom prst="line">
               <a:avLst/>
             </a:prstGeom>
-            <a:ln>
+            <a:ln w="25400">
+              <a:solidFill>
+                <a:srgbClr val="FF0000"/>
+              </a:solidFill>
+              <a:prstDash val="dash"/>
+            </a:ln>
+          </p:spPr>
+          <p:style>
+            <a:lnRef idx="1">
+              <a:schemeClr val="accent1"/>
+            </a:lnRef>
+            <a:fillRef idx="0">
+              <a:schemeClr val="accent1"/>
+            </a:fillRef>
+            <a:effectRef idx="0">
+              <a:schemeClr val="accent1"/>
+            </a:effectRef>
+            <a:fontRef idx="minor">
+              <a:schemeClr val="tx1"/>
+            </a:fontRef>
+          </p:style>
+        </p:cxnSp>
+        <p:cxnSp>
+          <p:nvCxnSpPr>
+            <p:cNvPr id="21" name="直接连接符 20">
+              <a:extLst>
+                <a:ext uri="{FF2B5EF4-FFF2-40B4-BE49-F238E27FC236}">
+                  <a16:creationId xmlns:a16="http://schemas.microsoft.com/office/drawing/2014/main" id="{317D9E32-E784-4AE9-B551-D18A4975A806}"/>
+                </a:ext>
+              </a:extLst>
+            </p:cNvPr>
+            <p:cNvCxnSpPr>
+              <a:cxnSpLocks/>
+            </p:cNvCxnSpPr>
+            <p:nvPr/>
+          </p:nvCxnSpPr>
+          <p:spPr>
+            <a:xfrm flipV="1">
+              <a:off x="2592282" y="1509586"/>
+              <a:ext cx="2842730" cy="1079641"/>
+            </a:xfrm>
+            <a:prstGeom prst="line">
+              <a:avLst/>
+            </a:prstGeom>
+            <a:ln w="25400">
+              <a:solidFill>
+                <a:srgbClr val="FF0000"/>
+              </a:solidFill>
+              <a:prstDash val="dash"/>
+            </a:ln>
+          </p:spPr>
+          <p:style>
+            <a:lnRef idx="1">
+              <a:schemeClr val="accent1"/>
+            </a:lnRef>
+            <a:fillRef idx="0">
+              <a:schemeClr val="accent1"/>
+            </a:fillRef>
+            <a:effectRef idx="0">
+              <a:schemeClr val="accent1"/>
+            </a:effectRef>
+            <a:fontRef idx="minor">
+              <a:schemeClr val="tx1"/>
+            </a:fontRef>
+          </p:style>
+        </p:cxnSp>
+        <p:cxnSp>
+          <p:nvCxnSpPr>
+            <p:cNvPr id="22" name="直接连接符 21">
+              <a:extLst>
+                <a:ext uri="{FF2B5EF4-FFF2-40B4-BE49-F238E27FC236}">
+                  <a16:creationId xmlns:a16="http://schemas.microsoft.com/office/drawing/2014/main" id="{C28B7E43-22BC-424E-8BC0-DEC16187CAD7}"/>
+                </a:ext>
+              </a:extLst>
+            </p:cNvPr>
+            <p:cNvCxnSpPr/>
+            <p:nvPr/>
+          </p:nvCxnSpPr>
+          <p:spPr>
+            <a:xfrm>
+              <a:off x="2275580" y="2535890"/>
+              <a:ext cx="3600000" cy="0"/>
+            </a:xfrm>
+            <a:prstGeom prst="line">
+              <a:avLst/>
+            </a:prstGeom>
+            <a:ln w="25400">
               <a:solidFill>
                 <a:schemeClr val="tx1"/>
               </a:solidFill>
+              <a:prstDash val="dash"/>
+            </a:ln>
+          </p:spPr>
+          <p:style>
+            <a:lnRef idx="1">
+              <a:schemeClr val="accent1"/>
+            </a:lnRef>
+            <a:fillRef idx="0">
+              <a:schemeClr val="accent1"/>
+            </a:fillRef>
+            <a:effectRef idx="0">
+              <a:schemeClr val="accent1"/>
+            </a:effectRef>
+            <a:fontRef idx="minor">
+              <a:schemeClr val="tx1"/>
+            </a:fontRef>
+          </p:style>
+        </p:cxnSp>
+        <p:cxnSp>
+          <p:nvCxnSpPr>
+            <p:cNvPr id="24" name="直接连接符 23">
+              <a:extLst>
+                <a:ext uri="{FF2B5EF4-FFF2-40B4-BE49-F238E27FC236}">
+                  <a16:creationId xmlns:a16="http://schemas.microsoft.com/office/drawing/2014/main" id="{2FF2784A-0D6F-43B6-B638-29E72291FF6B}"/>
+                </a:ext>
+              </a:extLst>
+            </p:cNvPr>
+            <p:cNvCxnSpPr/>
+            <p:nvPr/>
+          </p:nvCxnSpPr>
+          <p:spPr>
+            <a:xfrm>
+              <a:off x="2275580" y="2218626"/>
+              <a:ext cx="3600000" cy="0"/>
+            </a:xfrm>
+            <a:prstGeom prst="line">
+              <a:avLst/>
+            </a:prstGeom>
+            <a:ln w="25400">
+              <a:solidFill>
+                <a:schemeClr val="tx1"/>
+              </a:solidFill>
+              <a:prstDash val="dash"/>
             </a:ln>
           </p:spPr>
           <p:style>
